--- a/Proyecto_de_juegos_en_Python.pptx
+++ b/Proyecto_de_juegos_en_Python.pptx
@@ -114,6 +114,11 @@
       </a:defRPr>
     </a:lvl9pPr>
   </p:defaultTextStyle>
+  <p:extLst>
+    <p:ext uri="{EFAFB233-063F-42B5-8137-9DF3F51BA10A}">
+      <p15:sldGuideLst xmlns:p15="http://schemas.microsoft.com/office/powerpoint/2012/main"/>
+    </p:ext>
+  </p:extLst>
 </p:presentation>
 </file>
 
@@ -3317,6 +3322,14 @@
 <file path=ppt/slides/slide1.xml><?xml version="1.0" encoding="utf-8"?>
 <p:sld xmlns:a="http://schemas.openxmlformats.org/drawingml/2006/main" xmlns:r="http://schemas.openxmlformats.org/officeDocument/2006/relationships" xmlns:p="http://schemas.openxmlformats.org/presentationml/2006/main">
   <p:cSld>
+    <p:bg>
+      <p:bgPr>
+        <a:solidFill>
+          <a:schemeClr val="bg1"/>
+        </a:solidFill>
+        <a:effectLst/>
+      </p:bgPr>
+    </p:bg>
     <p:spTree>
       <p:nvGrpSpPr>
         <p:cNvPr id="1" name=""/>
@@ -3333,6 +3346,231 @@
       </p:grpSpPr>
       <p:sp>
         <p:nvSpPr>
+          <p:cNvPr id="21" name="Rectangle 20">
+            <a:extLst>
+              <a:ext uri="{FF2B5EF4-FFF2-40B4-BE49-F238E27FC236}">
+                <a16:creationId xmlns:a16="http://schemas.microsoft.com/office/drawing/2014/main" id="{27BDFED6-6E33-4606-AFE2-886ADB1C018E}"/>
+              </a:ext>
+              <a:ext uri="{C183D7F6-B498-43B3-948B-1728B52AA6E4}">
+                <adec:decorative xmlns:adec="http://schemas.microsoft.com/office/drawing/2017/decorative" val="1"/>
+              </a:ext>
+            </a:extLst>
+          </p:cNvPr>
+          <p:cNvSpPr>
+            <a:spLocks noGrp="1" noRot="1" noChangeAspect="1" noMove="1" noResize="1" noEditPoints="1" noAdjustHandles="1" noChangeArrowheads="1" noChangeShapeType="1" noTextEdit="1"/>
+          </p:cNvSpPr>
+          <p:nvPr>
+            <p:extLst>
+              <p:ext uri="{386F3935-93C4-4BCD-93E2-E3B085C9AB24}">
+                <p16:designElem xmlns:p16="http://schemas.microsoft.com/office/powerpoint/2015/main" val="1"/>
+              </p:ext>
+            </p:extLst>
+          </p:nvPr>
+        </p:nvSpPr>
+        <p:spPr>
+          <a:xfrm>
+            <a:off x="0" y="0"/>
+            <a:ext cx="12192000" cy="6858000"/>
+          </a:xfrm>
+          <a:prstGeom prst="rect">
+            <a:avLst/>
+          </a:prstGeom>
+          <a:solidFill>
+            <a:schemeClr val="tx1">
+              <a:lumMod val="95000"/>
+              <a:lumOff val="5000"/>
+            </a:schemeClr>
+          </a:solidFill>
+          <a:ln>
+            <a:noFill/>
+          </a:ln>
+        </p:spPr>
+        <p:style>
+          <a:lnRef idx="2">
+            <a:schemeClr val="accent1">
+              <a:shade val="50000"/>
+            </a:schemeClr>
+          </a:lnRef>
+          <a:fillRef idx="1">
+            <a:schemeClr val="accent1"/>
+          </a:fillRef>
+          <a:effectRef idx="0">
+            <a:schemeClr val="accent1"/>
+          </a:effectRef>
+          <a:fontRef idx="minor">
+            <a:schemeClr val="lt1"/>
+          </a:fontRef>
+        </p:style>
+        <p:txBody>
+          <a:bodyPr rtlCol="0" anchor="ctr"/>
+          <a:lstStyle/>
+          <a:p>
+            <a:pPr algn="ctr"/>
+            <a:endParaRPr lang="en-US" dirty="0"/>
+          </a:p>
+        </p:txBody>
+      </p:sp>
+      <p:pic>
+        <p:nvPicPr>
+          <p:cNvPr id="15" name="Imagen 14" descr="Interfaz de usuario gráfica, Texto, Aplicación, Correo electrónico&#10;&#10;El contenido generado por IA puede ser incorrecto.">
+            <a:extLst>
+              <a:ext uri="{FF2B5EF4-FFF2-40B4-BE49-F238E27FC236}">
+                <a16:creationId xmlns:a16="http://schemas.microsoft.com/office/drawing/2014/main" id="{525A574E-3EC6-9FBA-0101-5088A97AB97F}"/>
+              </a:ext>
+            </a:extLst>
+          </p:cNvPr>
+          <p:cNvPicPr>
+            <a:picLocks noChangeAspect="1"/>
+          </p:cNvPicPr>
+          <p:nvPr/>
+        </p:nvPicPr>
+        <p:blipFill>
+          <a:blip r:embed="rId2">
+            <a:alphaModFix/>
+            <a:extLst>
+              <a:ext uri="{28A0092B-C50C-407E-A947-70E740481C1C}">
+                <a14:useLocalDpi xmlns:a14="http://schemas.microsoft.com/office/drawing/2010/main" val="0"/>
+              </a:ext>
+              <a:ext uri="{837473B0-CC2E-450A-ABE3-18F120FF3D39}">
+                <a1611:picAttrSrcUrl xmlns:a1611="http://schemas.microsoft.com/office/drawing/2016/11/main" r:id="rId3"/>
+              </a:ext>
+            </a:extLst>
+          </a:blip>
+          <a:srcRect r="-2" b="2453"/>
+          <a:stretch>
+            <a:fillRect/>
+          </a:stretch>
+        </p:blipFill>
+        <p:spPr>
+          <a:xfrm>
+            <a:off x="4547937" y="-5"/>
+            <a:ext cx="7644062" cy="3681406"/>
+          </a:xfrm>
+          <a:prstGeom prst="rect">
+            <a:avLst/>
+          </a:prstGeom>
+        </p:spPr>
+      </p:pic>
+      <p:pic>
+        <p:nvPicPr>
+          <p:cNvPr id="12" name="Imagen 11" descr="Texto&#10;&#10;El contenido generado por IA puede ser incorrecto.">
+            <a:extLst>
+              <a:ext uri="{FF2B5EF4-FFF2-40B4-BE49-F238E27FC236}">
+                <a16:creationId xmlns:a16="http://schemas.microsoft.com/office/drawing/2014/main" id="{DBA8BBC7-0AA2-8640-2BF4-A81E055D32BF}"/>
+              </a:ext>
+            </a:extLst>
+          </p:cNvPr>
+          <p:cNvPicPr>
+            <a:picLocks noChangeAspect="1"/>
+          </p:cNvPicPr>
+          <p:nvPr/>
+        </p:nvPicPr>
+        <p:blipFill>
+          <a:blip r:embed="rId4">
+            <a:extLst>
+              <a:ext uri="{28A0092B-C50C-407E-A947-70E740481C1C}">
+                <a14:useLocalDpi xmlns:a14="http://schemas.microsoft.com/office/drawing/2010/main" val="0"/>
+              </a:ext>
+              <a:ext uri="{837473B0-CC2E-450A-ABE3-18F120FF3D39}">
+                <a1611:picAttrSrcUrl xmlns:a1611="http://schemas.microsoft.com/office/drawing/2016/11/main" r:id="rId5"/>
+              </a:ext>
+            </a:extLst>
+          </a:blip>
+          <a:srcRect t="13425" r="-1" b="7419"/>
+          <a:stretch>
+            <a:fillRect/>
+          </a:stretch>
+        </p:blipFill>
+        <p:spPr>
+          <a:xfrm>
+            <a:off x="4547938" y="3681409"/>
+            <a:ext cx="7644062" cy="3176595"/>
+          </a:xfrm>
+          <a:prstGeom prst="rect">
+            <a:avLst/>
+          </a:prstGeom>
+        </p:spPr>
+      </p:pic>
+      <p:sp>
+        <p:nvSpPr>
+          <p:cNvPr id="23" name="Rectangle 22">
+            <a:extLst>
+              <a:ext uri="{FF2B5EF4-FFF2-40B4-BE49-F238E27FC236}">
+                <a16:creationId xmlns:a16="http://schemas.microsoft.com/office/drawing/2014/main" id="{890DEF05-784E-4B61-89E4-04C4ECF4E5A0}"/>
+              </a:ext>
+              <a:ext uri="{C183D7F6-B498-43B3-948B-1728B52AA6E4}">
+                <adec:decorative xmlns:adec="http://schemas.microsoft.com/office/drawing/2017/decorative" val="1"/>
+              </a:ext>
+            </a:extLst>
+          </p:cNvPr>
+          <p:cNvSpPr>
+            <a:spLocks noGrp="1" noRot="1" noChangeAspect="1" noMove="1" noResize="1" noEditPoints="1" noAdjustHandles="1" noChangeArrowheads="1" noChangeShapeType="1" noTextEdit="1"/>
+          </p:cNvSpPr>
+          <p:nvPr>
+            <p:extLst>
+              <p:ext uri="{386F3935-93C4-4BCD-93E2-E3B085C9AB24}">
+                <p16:designElem xmlns:p16="http://schemas.microsoft.com/office/powerpoint/2015/main" val="1"/>
+              </p:ext>
+            </p:extLst>
+          </p:nvPr>
+        </p:nvSpPr>
+        <p:spPr>
+          <a:xfrm>
+            <a:off x="0" y="0"/>
+            <a:ext cx="12192000" cy="6858000"/>
+          </a:xfrm>
+          <a:prstGeom prst="rect">
+            <a:avLst/>
+          </a:prstGeom>
+          <a:gradFill>
+            <a:gsLst>
+              <a:gs pos="36000">
+                <a:schemeClr val="tx1">
+                  <a:lumMod val="95000"/>
+                  <a:lumOff val="5000"/>
+                </a:schemeClr>
+              </a:gs>
+              <a:gs pos="81000">
+                <a:schemeClr val="tx1">
+                  <a:lumMod val="95000"/>
+                  <a:lumOff val="5000"/>
+                  <a:alpha val="0"/>
+                </a:schemeClr>
+              </a:gs>
+            </a:gsLst>
+            <a:lin ang="0" scaled="0"/>
+          </a:gradFill>
+          <a:ln>
+            <a:noFill/>
+          </a:ln>
+        </p:spPr>
+        <p:style>
+          <a:lnRef idx="2">
+            <a:schemeClr val="accent1">
+              <a:shade val="50000"/>
+            </a:schemeClr>
+          </a:lnRef>
+          <a:fillRef idx="1">
+            <a:schemeClr val="accent1"/>
+          </a:fillRef>
+          <a:effectRef idx="0">
+            <a:schemeClr val="accent1"/>
+          </a:effectRef>
+          <a:fontRef idx="minor">
+            <a:schemeClr val="lt1"/>
+          </a:fontRef>
+        </p:style>
+        <p:txBody>
+          <a:bodyPr rtlCol="0" anchor="ctr"/>
+          <a:lstStyle/>
+          <a:p>
+            <a:pPr algn="ctr"/>
+            <a:endParaRPr lang="en-US"/>
+          </a:p>
+        </p:txBody>
+      </p:sp>
+      <p:sp>
+        <p:nvSpPr>
           <p:cNvPr id="2" name="Título 1">
             <a:extLst>
               <a:ext uri="{FF2B5EF4-FFF2-40B4-BE49-F238E27FC236}">
@@ -3347,13 +3585,25 @@
             <p:ph type="ctrTitle"/>
           </p:nvPr>
         </p:nvSpPr>
-        <p:spPr/>
-        <p:txBody>
-          <a:bodyPr/>
-          <a:lstStyle/>
-          <a:p>
-            <a:r>
-              <a:rPr lang="es-ES" dirty="0"/>
+        <p:spPr>
+          <a:xfrm>
+            <a:off x="838200" y="1115219"/>
+            <a:ext cx="5395912" cy="2387600"/>
+          </a:xfrm>
+        </p:spPr>
+        <p:txBody>
+          <a:bodyPr>
+            <a:normAutofit/>
+          </a:bodyPr>
+          <a:lstStyle/>
+          <a:p>
+            <a:pPr algn="l"/>
+            <a:r>
+              <a:rPr lang="es-ES" sz="5000">
+                <a:solidFill>
+                  <a:schemeClr val="bg1"/>
+                </a:solidFill>
+              </a:rPr>
               <a:t>PROYECTO DE JUEGOS EN PYTHON</a:t>
             </a:r>
           </a:p>
@@ -3375,35 +3625,274 @@
             <p:ph type="subTitle" idx="1"/>
           </p:nvPr>
         </p:nvSpPr>
-        <p:spPr/>
+        <p:spPr>
+          <a:xfrm>
+            <a:off x="838200" y="3902075"/>
+            <a:ext cx="5395912" cy="1655762"/>
+          </a:xfrm>
+        </p:spPr>
         <p:txBody>
           <a:bodyPr>
-            <a:normAutofit lnSpcReduction="10000"/>
+            <a:normAutofit/>
           </a:bodyPr>
           <a:lstStyle/>
           <a:p>
-            <a:r>
-              <a:rPr lang="es-ES" dirty="0"/>
+            <a:pPr algn="l"/>
+            <a:r>
+              <a:rPr lang="es-ES" sz="2000">
+                <a:solidFill>
+                  <a:schemeClr val="bg1"/>
+                </a:solidFill>
+              </a:rPr>
               <a:t>Piedra, papel o tijeras</a:t>
             </a:r>
           </a:p>
           <a:p>
-            <a:r>
-              <a:rPr lang="es-ES" dirty="0"/>
+            <a:pPr algn="l"/>
+            <a:r>
+              <a:rPr lang="es-ES" sz="2000">
+                <a:solidFill>
+                  <a:schemeClr val="bg1"/>
+                </a:solidFill>
+              </a:rPr>
               <a:t>Trivial de geografía</a:t>
             </a:r>
           </a:p>
           <a:p>
-            <a:r>
-              <a:rPr lang="es-ES" dirty="0"/>
+            <a:pPr algn="l"/>
+            <a:r>
+              <a:rPr lang="es-ES" sz="2000">
+                <a:solidFill>
+                  <a:schemeClr val="bg1"/>
+                </a:solidFill>
+              </a:rPr>
               <a:t>Juego del Ahorcado</a:t>
             </a:r>
           </a:p>
           <a:p>
-            <a:r>
-              <a:rPr lang="es-ES" dirty="0"/>
+            <a:pPr algn="l"/>
+            <a:r>
+              <a:rPr lang="es-ES" sz="2000">
+                <a:solidFill>
+                  <a:schemeClr val="bg1"/>
+                </a:solidFill>
+              </a:rPr>
               <a:t>Tres en raya</a:t>
             </a:r>
+          </a:p>
+        </p:txBody>
+      </p:sp>
+      <p:cxnSp>
+        <p:nvCxnSpPr>
+          <p:cNvPr id="25" name="Straight Connector 24">
+            <a:extLst>
+              <a:ext uri="{FF2B5EF4-FFF2-40B4-BE49-F238E27FC236}">
+                <a16:creationId xmlns:a16="http://schemas.microsoft.com/office/drawing/2014/main" id="{C41BAEC7-F7B0-4224-8B18-8F74B7D87F0B}"/>
+              </a:ext>
+              <a:ext uri="{C183D7F6-B498-43B3-948B-1728B52AA6E4}">
+                <adec:decorative xmlns:adec="http://schemas.microsoft.com/office/drawing/2017/decorative" val="1"/>
+              </a:ext>
+            </a:extLst>
+          </p:cNvPr>
+          <p:cNvCxnSpPr>
+            <a:cxnSpLocks noGrp="1" noRot="1" noChangeAspect="1" noMove="1" noResize="1" noEditPoints="1" noAdjustHandles="1" noChangeArrowheads="1" noChangeShapeType="1"/>
+          </p:cNvCxnSpPr>
+          <p:nvPr>
+            <p:extLst>
+              <p:ext uri="{386F3935-93C4-4BCD-93E2-E3B085C9AB24}">
+                <p16:designElem xmlns:p16="http://schemas.microsoft.com/office/powerpoint/2015/main" val="1"/>
+              </p:ext>
+            </p:extLst>
+          </p:nvPr>
+        </p:nvCxnSpPr>
+        <p:spPr>
+          <a:xfrm flipH="1">
+            <a:off x="838200" y="3681408"/>
+            <a:ext cx="11353799" cy="0"/>
+          </a:xfrm>
+          <a:prstGeom prst="line">
+            <a:avLst/>
+          </a:prstGeom>
+          <a:ln w="12700">
+            <a:solidFill>
+              <a:schemeClr val="accent2"/>
+            </a:solidFill>
+          </a:ln>
+        </p:spPr>
+        <p:style>
+          <a:lnRef idx="1">
+            <a:schemeClr val="accent1"/>
+          </a:lnRef>
+          <a:fillRef idx="0">
+            <a:schemeClr val="accent1"/>
+          </a:fillRef>
+          <a:effectRef idx="0">
+            <a:schemeClr val="accent1"/>
+          </a:effectRef>
+          <a:fontRef idx="minor">
+            <a:schemeClr val="tx1"/>
+          </a:fontRef>
+        </p:style>
+      </p:cxnSp>
+      <p:sp>
+        <p:nvSpPr>
+          <p:cNvPr id="13" name="CuadroTexto 12">
+            <a:extLst>
+              <a:ext uri="{FF2B5EF4-FFF2-40B4-BE49-F238E27FC236}">
+                <a16:creationId xmlns:a16="http://schemas.microsoft.com/office/drawing/2014/main" id="{1BE797CA-FBA6-516D-BA58-CD19D8E2A4A0}"/>
+              </a:ext>
+            </a:extLst>
+          </p:cNvPr>
+          <p:cNvSpPr txBox="1"/>
+          <p:nvPr/>
+        </p:nvSpPr>
+        <p:spPr>
+          <a:xfrm>
+            <a:off x="9549930" y="6657949"/>
+            <a:ext cx="2642070" cy="200055"/>
+          </a:xfrm>
+          <a:prstGeom prst="rect">
+            <a:avLst/>
+          </a:prstGeom>
+          <a:solidFill>
+            <a:srgbClr val="000000"/>
+          </a:solidFill>
+        </p:spPr>
+        <p:txBody>
+          <a:bodyPr wrap="none" rtlCol="0">
+            <a:spAutoFit/>
+          </a:bodyPr>
+          <a:lstStyle/>
+          <a:p>
+            <a:pPr algn="r">
+              <a:spcAft>
+                <a:spcPts val="600"/>
+              </a:spcAft>
+            </a:pPr>
+            <a:r>
+              <a:rPr lang="es-ES" sz="700">
+                <a:solidFill>
+                  <a:srgbClr val="FFFFFF"/>
+                </a:solidFill>
+                <a:hlinkClick r:id="rId5" tooltip="https://mariademolina.blogspot.com/2016/11/python-06-adivina-el-numero.html">
+                  <a:extLst>
+                    <a:ext uri="{A12FA001-AC4F-418D-AE19-62706E023703}">
+                      <ahyp:hlinkClr xmlns:ahyp="http://schemas.microsoft.com/office/drawing/2018/hyperlinkcolor" val="tx"/>
+                    </a:ext>
+                  </a:extLst>
+                </a:hlinkClick>
+              </a:rPr>
+              <a:t>Esta foto</a:t>
+            </a:r>
+            <a:r>
+              <a:rPr lang="es-ES" sz="700">
+                <a:solidFill>
+                  <a:srgbClr val="FFFFFF"/>
+                </a:solidFill>
+              </a:rPr>
+              <a:t> de Autor desconocido está bajo licencia </a:t>
+            </a:r>
+            <a:r>
+              <a:rPr lang="es-ES" sz="700">
+                <a:solidFill>
+                  <a:srgbClr val="FFFFFF"/>
+                </a:solidFill>
+                <a:hlinkClick r:id="rId6" tooltip="https://creativecommons.org/licenses/by-nc-sa/3.0/">
+                  <a:extLst>
+                    <a:ext uri="{A12FA001-AC4F-418D-AE19-62706E023703}">
+                      <ahyp:hlinkClr xmlns:ahyp="http://schemas.microsoft.com/office/drawing/2018/hyperlinkcolor" val="tx"/>
+                    </a:ext>
+                  </a:extLst>
+                </a:hlinkClick>
+              </a:rPr>
+              <a:t>CC BY-SA-NC</a:t>
+            </a:r>
+            <a:endParaRPr lang="es-ES" sz="700">
+              <a:solidFill>
+                <a:srgbClr val="FFFFFF"/>
+              </a:solidFill>
+            </a:endParaRPr>
+          </a:p>
+        </p:txBody>
+      </p:sp>
+      <p:sp>
+        <p:nvSpPr>
+          <p:cNvPr id="16" name="CuadroTexto 15">
+            <a:extLst>
+              <a:ext uri="{FF2B5EF4-FFF2-40B4-BE49-F238E27FC236}">
+                <a16:creationId xmlns:a16="http://schemas.microsoft.com/office/drawing/2014/main" id="{98578EB0-0507-FE12-FDA0-260B7C6F6075}"/>
+              </a:ext>
+            </a:extLst>
+          </p:cNvPr>
+          <p:cNvSpPr txBox="1"/>
+          <p:nvPr/>
+        </p:nvSpPr>
+        <p:spPr>
+          <a:xfrm>
+            <a:off x="9549929" y="3481346"/>
+            <a:ext cx="2642070" cy="200055"/>
+          </a:xfrm>
+          <a:prstGeom prst="rect">
+            <a:avLst/>
+          </a:prstGeom>
+          <a:solidFill>
+            <a:srgbClr val="000000"/>
+          </a:solidFill>
+        </p:spPr>
+        <p:txBody>
+          <a:bodyPr wrap="none" rtlCol="0">
+            <a:spAutoFit/>
+          </a:bodyPr>
+          <a:lstStyle/>
+          <a:p>
+            <a:pPr algn="r">
+              <a:spcAft>
+                <a:spcPts val="600"/>
+              </a:spcAft>
+            </a:pPr>
+            <a:r>
+              <a:rPr lang="es-ES" sz="700">
+                <a:solidFill>
+                  <a:srgbClr val="FFFFFF"/>
+                </a:solidFill>
+                <a:hlinkClick r:id="rId3" tooltip="https://mariademolina.blogspot.com/2016/11/python-10-colores-en-ingles-y-juego-de.html">
+                  <a:extLst>
+                    <a:ext uri="{A12FA001-AC4F-418D-AE19-62706E023703}">
+                      <ahyp:hlinkClr xmlns:ahyp="http://schemas.microsoft.com/office/drawing/2018/hyperlinkcolor" val="tx"/>
+                    </a:ext>
+                  </a:extLst>
+                </a:hlinkClick>
+              </a:rPr>
+              <a:t>Esta foto</a:t>
+            </a:r>
+            <a:r>
+              <a:rPr lang="es-ES" sz="700">
+                <a:solidFill>
+                  <a:srgbClr val="FFFFFF"/>
+                </a:solidFill>
+              </a:rPr>
+              <a:t> de Autor desconocido está bajo licencia </a:t>
+            </a:r>
+            <a:r>
+              <a:rPr lang="es-ES" sz="700">
+                <a:solidFill>
+                  <a:srgbClr val="FFFFFF"/>
+                </a:solidFill>
+                <a:hlinkClick r:id="rId6" tooltip="https://creativecommons.org/licenses/by-nc-sa/3.0/">
+                  <a:extLst>
+                    <a:ext uri="{A12FA001-AC4F-418D-AE19-62706E023703}">
+                      <ahyp:hlinkClr xmlns:ahyp="http://schemas.microsoft.com/office/drawing/2018/hyperlinkcolor" val="tx"/>
+                    </a:ext>
+                  </a:extLst>
+                </a:hlinkClick>
+              </a:rPr>
+              <a:t>CC BY-SA-NC</a:t>
+            </a:r>
+            <a:endParaRPr lang="es-ES" sz="700">
+              <a:solidFill>
+                <a:srgbClr val="FFFFFF"/>
+              </a:solidFill>
+            </a:endParaRPr>
           </a:p>
         </p:txBody>
       </p:sp>
@@ -3423,6 +3912,14 @@
 <file path=ppt/slides/slide10.xml><?xml version="1.0" encoding="utf-8"?>
 <p:sld xmlns:a="http://schemas.openxmlformats.org/drawingml/2006/main" xmlns:r="http://schemas.openxmlformats.org/officeDocument/2006/relationships" xmlns:p="http://schemas.openxmlformats.org/presentationml/2006/main">
   <p:cSld>
+    <p:bg>
+      <p:bgPr>
+        <a:solidFill>
+          <a:schemeClr val="bg1"/>
+        </a:solidFill>
+        <a:effectLst/>
+      </p:bgPr>
+    </p:bg>
     <p:spTree>
       <p:nvGrpSpPr>
         <p:cNvPr id="1" name=""/>
@@ -3453,40 +3950,257 @@
             <p:ph type="title"/>
           </p:nvPr>
         </p:nvSpPr>
-        <p:spPr/>
-        <p:txBody>
-          <a:bodyPr/>
+        <p:spPr>
+          <a:xfrm>
+            <a:off x="762000" y="1138036"/>
+            <a:ext cx="4085665" cy="1402470"/>
+          </a:xfrm>
+        </p:spPr>
+        <p:txBody>
+          <a:bodyPr anchor="t">
+            <a:normAutofit/>
+          </a:bodyPr>
+          <a:lstStyle/>
+          <a:p>
+            <a:r>
+              <a:rPr lang="es-ES" sz="3200"/>
+              <a:t>Bonus: Tres en raya</a:t>
+            </a:r>
+          </a:p>
+        </p:txBody>
+      </p:sp>
+      <p:cxnSp>
+        <p:nvCxnSpPr>
+          <p:cNvPr id="17" name="Straight Connector 16">
+            <a:extLst>
+              <a:ext uri="{FF2B5EF4-FFF2-40B4-BE49-F238E27FC236}">
+                <a16:creationId xmlns:a16="http://schemas.microsoft.com/office/drawing/2014/main" id="{1503BFE4-729B-D9D0-C17B-501E6AF1127A}"/>
+              </a:ext>
+              <a:ext uri="{C183D7F6-B498-43B3-948B-1728B52AA6E4}">
+                <adec:decorative xmlns:adec="http://schemas.microsoft.com/office/drawing/2017/decorative" val="1"/>
+              </a:ext>
+            </a:extLst>
+          </p:cNvPr>
+          <p:cNvCxnSpPr>
+            <a:cxnSpLocks noGrp="1" noRot="1" noChangeAspect="1" noMove="1" noResize="1" noEditPoints="1" noAdjustHandles="1" noChangeArrowheads="1" noChangeShapeType="1"/>
+          </p:cNvCxnSpPr>
+          <p:nvPr>
+            <p:extLst>
+              <p:ext uri="{386F3935-93C4-4BCD-93E2-E3B085C9AB24}">
+                <p16:designElem xmlns:p16="http://schemas.microsoft.com/office/powerpoint/2015/main" val="1"/>
+              </p:ext>
+            </p:extLst>
+          </p:nvPr>
+        </p:nvCxnSpPr>
+        <p:spPr>
+          <a:xfrm>
+            <a:off x="865140" y="871146"/>
+            <a:ext cx="736939" cy="0"/>
+          </a:xfrm>
+          <a:prstGeom prst="line">
+            <a:avLst/>
+          </a:prstGeom>
+          <a:ln w="57150">
+            <a:solidFill>
+              <a:schemeClr val="accent4"/>
+            </a:solidFill>
+          </a:ln>
+        </p:spPr>
+        <p:style>
+          <a:lnRef idx="1">
+            <a:schemeClr val="accent1"/>
+          </a:lnRef>
+          <a:fillRef idx="0">
+            <a:schemeClr val="accent1"/>
+          </a:fillRef>
+          <a:effectRef idx="0">
+            <a:schemeClr val="accent1"/>
+          </a:effectRef>
+          <a:fontRef idx="minor">
+            <a:schemeClr val="tx1"/>
+          </a:fontRef>
+        </p:style>
+      </p:cxnSp>
+      <p:sp>
+        <p:nvSpPr>
+          <p:cNvPr id="3" name="Marcador de contenido 2">
+            <a:extLst>
+              <a:ext uri="{FF2B5EF4-FFF2-40B4-BE49-F238E27FC236}">
+                <a16:creationId xmlns:a16="http://schemas.microsoft.com/office/drawing/2014/main" id="{BC24D28E-F0A9-8FC0-E994-CEB62840BBD5}"/>
+              </a:ext>
+            </a:extLst>
+          </p:cNvPr>
+          <p:cNvSpPr>
+            <a:spLocks noGrp="1"/>
+          </p:cNvSpPr>
+          <p:nvPr>
+            <p:ph idx="1"/>
+          </p:nvPr>
+        </p:nvSpPr>
+        <p:spPr>
+          <a:xfrm>
+            <a:off x="762000" y="1883230"/>
+            <a:ext cx="4085665" cy="4259154"/>
+          </a:xfrm>
+        </p:spPr>
+        <p:txBody>
+          <a:bodyPr>
+            <a:normAutofit fontScale="77500" lnSpcReduction="20000"/>
+          </a:bodyPr>
           <a:lstStyle/>
           <a:p>
             <a:r>
               <a:rPr lang="es-ES" dirty="0"/>
-              <a:t>Bonus: Tres en raya</a:t>
-            </a:r>
-          </a:p>
-        </p:txBody>
-      </p:sp>
-      <p:sp>
-        <p:nvSpPr>
-          <p:cNvPr id="3" name="Marcador de contenido 2">
-            <a:extLst>
-              <a:ext uri="{FF2B5EF4-FFF2-40B4-BE49-F238E27FC236}">
-                <a16:creationId xmlns:a16="http://schemas.microsoft.com/office/drawing/2014/main" id="{BC24D28E-F0A9-8FC0-E994-CEB62840BBD5}"/>
-              </a:ext>
-            </a:extLst>
-          </p:cNvPr>
-          <p:cNvSpPr>
-            <a:spLocks noGrp="1"/>
-          </p:cNvSpPr>
-          <p:nvPr>
-            <p:ph idx="1"/>
-          </p:nvPr>
-        </p:nvSpPr>
-        <p:spPr/>
-        <p:txBody>
-          <a:bodyPr/>
-          <a:lstStyle/>
-          <a:p>
-            <a:endParaRPr lang="es-ES"/>
+              <a:t>El juego se juega en un tablero de 3x3.</a:t>
+            </a:r>
+          </a:p>
+          <a:p>
+            <a:r>
+              <a:rPr lang="es-ES" dirty="0"/>
+              <a:t>Dos jugadores, uno representa "X" y el otro "O", alternan turnos.</a:t>
+            </a:r>
+          </a:p>
+          <a:p>
+            <a:r>
+              <a:rPr lang="es-ES" dirty="0"/>
+              <a:t>El objetivo es obtener tres símbolos del mismo tipo en línea horizontal, vertical o diagonal.</a:t>
+            </a:r>
+          </a:p>
+          <a:p>
+            <a:r>
+              <a:rPr lang="es-ES" dirty="0"/>
+              <a:t>El juego termina cuando un jugador gana o el tablero se llena (empate).</a:t>
+            </a:r>
+          </a:p>
+          <a:p>
+            <a:r>
+              <a:rPr lang="es-ES" dirty="0"/>
+              <a:t>El jugador que logre colocar tres de sus símbolos en línea es el ganador.</a:t>
+            </a:r>
+          </a:p>
+          <a:p>
+            <a:endParaRPr lang="es-ES" sz="2000" dirty="0"/>
+          </a:p>
+        </p:txBody>
+      </p:sp>
+      <p:pic>
+        <p:nvPicPr>
+          <p:cNvPr id="11" name="Imagen 10" descr="Forma, Icono&#10;&#10;El contenido generado por IA puede ser incorrecto.">
+            <a:extLst>
+              <a:ext uri="{FF2B5EF4-FFF2-40B4-BE49-F238E27FC236}">
+                <a16:creationId xmlns:a16="http://schemas.microsoft.com/office/drawing/2014/main" id="{C434CC62-FF1D-094C-4692-4D02185FBD7C}"/>
+              </a:ext>
+            </a:extLst>
+          </p:cNvPr>
+          <p:cNvPicPr>
+            <a:picLocks noChangeAspect="1"/>
+          </p:cNvPicPr>
+          <p:nvPr/>
+        </p:nvPicPr>
+        <p:blipFill>
+          <a:blip r:embed="rId2">
+            <a:extLst>
+              <a:ext uri="{28A0092B-C50C-407E-A947-70E740481C1C}">
+                <a14:useLocalDpi xmlns:a14="http://schemas.microsoft.com/office/drawing/2010/main" val="0"/>
+              </a:ext>
+              <a:ext uri="{837473B0-CC2E-450A-ABE3-18F120FF3D39}">
+                <a1611:picAttrSrcUrl xmlns:a1611="http://schemas.microsoft.com/office/drawing/2016/11/main" r:id="rId3"/>
+              </a:ext>
+            </a:extLst>
+          </a:blip>
+          <a:srcRect l="4622"/>
+          <a:stretch>
+            <a:fillRect/>
+          </a:stretch>
+        </p:blipFill>
+        <p:spPr>
+          <a:xfrm>
+            <a:off x="5650992" y="10"/>
+            <a:ext cx="6541008" cy="6857990"/>
+          </a:xfrm>
+          <a:prstGeom prst="rect">
+            <a:avLst/>
+          </a:prstGeom>
+        </p:spPr>
+      </p:pic>
+      <p:sp>
+        <p:nvSpPr>
+          <p:cNvPr id="12" name="CuadroTexto 11">
+            <a:extLst>
+              <a:ext uri="{FF2B5EF4-FFF2-40B4-BE49-F238E27FC236}">
+                <a16:creationId xmlns:a16="http://schemas.microsoft.com/office/drawing/2014/main" id="{74ADAAE7-6EB9-8E48-6DF9-7BBD0E529E09}"/>
+              </a:ext>
+            </a:extLst>
+          </p:cNvPr>
+          <p:cNvSpPr txBox="1"/>
+          <p:nvPr/>
+        </p:nvSpPr>
+        <p:spPr>
+          <a:xfrm>
+            <a:off x="9529092" y="6657945"/>
+            <a:ext cx="2662908" cy="200055"/>
+          </a:xfrm>
+          <a:prstGeom prst="rect">
+            <a:avLst/>
+          </a:prstGeom>
+          <a:solidFill>
+            <a:srgbClr val="000000"/>
+          </a:solidFill>
+        </p:spPr>
+        <p:txBody>
+          <a:bodyPr wrap="none" rtlCol="0">
+            <a:spAutoFit/>
+          </a:bodyPr>
+          <a:lstStyle/>
+          <a:p>
+            <a:pPr algn="r">
+              <a:spcAft>
+                <a:spcPts val="600"/>
+              </a:spcAft>
+            </a:pPr>
+            <a:r>
+              <a:rPr lang="es-ES" sz="700">
+                <a:solidFill>
+                  <a:srgbClr val="FFFFFF"/>
+                </a:solidFill>
+                <a:hlinkClick r:id="rId3" tooltip="https://crochetydemos.blogspot.com/2015/03/">
+                  <a:extLst>
+                    <a:ext uri="{A12FA001-AC4F-418D-AE19-62706E023703}">
+                      <ahyp:hlinkClr xmlns:ahyp="http://schemas.microsoft.com/office/drawing/2018/hyperlinkcolor" val="tx"/>
+                    </a:ext>
+                  </a:extLst>
+                </a:hlinkClick>
+              </a:rPr>
+              <a:t>Esta foto</a:t>
+            </a:r>
+            <a:r>
+              <a:rPr lang="es-ES" sz="700">
+                <a:solidFill>
+                  <a:srgbClr val="FFFFFF"/>
+                </a:solidFill>
+              </a:rPr>
+              <a:t> de Autor desconocido está bajo licencia </a:t>
+            </a:r>
+            <a:r>
+              <a:rPr lang="es-ES" sz="700">
+                <a:solidFill>
+                  <a:srgbClr val="FFFFFF"/>
+                </a:solidFill>
+                <a:hlinkClick r:id="rId4" tooltip="https://creativecommons.org/licenses/by-nc-nd/3.0/">
+                  <a:extLst>
+                    <a:ext uri="{A12FA001-AC4F-418D-AE19-62706E023703}">
+                      <ahyp:hlinkClr xmlns:ahyp="http://schemas.microsoft.com/office/drawing/2018/hyperlinkcolor" val="tx"/>
+                    </a:ext>
+                  </a:extLst>
+                </a:hlinkClick>
+              </a:rPr>
+              <a:t>CC BY-NC-ND</a:t>
+            </a:r>
+            <a:endParaRPr lang="es-ES" sz="700">
+              <a:solidFill>
+                <a:srgbClr val="FFFFFF"/>
+              </a:solidFill>
+            </a:endParaRPr>
           </a:p>
         </p:txBody>
       </p:sp>
@@ -3500,6 +4214,98 @@
   <p:clrMapOvr>
     <a:masterClrMapping/>
   </p:clrMapOvr>
+  <p:timing>
+    <p:tnLst>
+      <p:par>
+        <p:cTn id="1" dur="indefinite" restart="never" nodeType="tmRoot">
+          <p:childTnLst>
+            <p:seq concurrent="1" nextAc="seek">
+              <p:cTn id="2" dur="indefinite" nodeType="mainSeq">
+                <p:childTnLst>
+                  <p:par>
+                    <p:cTn id="3" fill="hold">
+                      <p:stCondLst>
+                        <p:cond delay="indefinite"/>
+                        <p:cond evt="onBegin" delay="0">
+                          <p:tn val="2"/>
+                        </p:cond>
+                      </p:stCondLst>
+                      <p:childTnLst>
+                        <p:par>
+                          <p:cTn id="4" fill="hold">
+                            <p:stCondLst>
+                              <p:cond delay="0"/>
+                            </p:stCondLst>
+                            <p:childTnLst>
+                              <p:par>
+                                <p:cTn id="5" presetID="10" presetClass="entr" presetSubtype="0" fill="hold" grpId="0" nodeType="withEffect">
+                                  <p:stCondLst>
+                                    <p:cond delay="1000"/>
+                                  </p:stCondLst>
+                                  <p:iterate type="lt">
+                                    <p:tmPct val="10000"/>
+                                  </p:iterate>
+                                  <p:childTnLst>
+                                    <p:set>
+                                      <p:cBhvr>
+                                        <p:cTn id="6" dur="1" fill="hold">
+                                          <p:stCondLst>
+                                            <p:cond delay="0"/>
+                                          </p:stCondLst>
+                                        </p:cTn>
+                                        <p:tgtEl>
+                                          <p:spTgt spid="2"/>
+                                        </p:tgtEl>
+                                        <p:attrNameLst>
+                                          <p:attrName>style.visibility</p:attrName>
+                                        </p:attrNameLst>
+                                      </p:cBhvr>
+                                      <p:to>
+                                        <p:strVal val="visible"/>
+                                      </p:to>
+                                    </p:set>
+                                    <p:animEffect transition="in" filter="fade">
+                                      <p:cBhvr>
+                                        <p:cTn id="7" dur="400"/>
+                                        <p:tgtEl>
+                                          <p:spTgt spid="2"/>
+                                        </p:tgtEl>
+                                      </p:cBhvr>
+                                    </p:animEffect>
+                                  </p:childTnLst>
+                                </p:cTn>
+                              </p:par>
+                            </p:childTnLst>
+                          </p:cTn>
+                        </p:par>
+                      </p:childTnLst>
+                    </p:cTn>
+                  </p:par>
+                </p:childTnLst>
+              </p:cTn>
+              <p:prevCondLst>
+                <p:cond evt="onPrev" delay="0">
+                  <p:tgtEl>
+                    <p:sldTgt/>
+                  </p:tgtEl>
+                </p:cond>
+              </p:prevCondLst>
+              <p:nextCondLst>
+                <p:cond evt="onNext" delay="0">
+                  <p:tgtEl>
+                    <p:sldTgt/>
+                  </p:tgtEl>
+                </p:cond>
+              </p:nextCondLst>
+            </p:seq>
+          </p:childTnLst>
+        </p:cTn>
+      </p:par>
+    </p:tnLst>
+    <p:bldLst>
+      <p:bldP spid="2" grpId="0"/>
+    </p:bldLst>
+  </p:timing>
 </p:sld>
 </file>
 
@@ -3541,7 +4347,18 @@
           <a:bodyPr/>
           <a:lstStyle/>
           <a:p>
-            <a:endParaRPr lang="es-ES" dirty="0"/>
+            <a:r>
+              <a:rPr lang="es-ES" dirty="0"/>
+              <a:t>Next </a:t>
+            </a:r>
+            <a:r>
+              <a:rPr lang="es-ES" dirty="0" err="1"/>
+              <a:t>steps</a:t>
+            </a:r>
+            <a:r>
+              <a:rPr lang="es-ES" dirty="0"/>
+              <a:t>: mejoras a futuro</a:t>
+            </a:r>
           </a:p>
         </p:txBody>
       </p:sp>
@@ -3566,7 +4383,64 @@
           <a:bodyPr/>
           <a:lstStyle/>
           <a:p>
-            <a:endParaRPr lang="es-ES"/>
+            <a:r>
+              <a:rPr lang="es-ES" dirty="0"/>
+              <a:t>Crear una clase de juegos (</a:t>
+            </a:r>
+            <a:r>
+              <a:rPr lang="es-ES" dirty="0" err="1"/>
+              <a:t>class</a:t>
+            </a:r>
+            <a:r>
+              <a:rPr lang="es-ES" dirty="0"/>
+              <a:t> Juegos) en la que incluiríamos cada juego como un método (</a:t>
+            </a:r>
+            <a:r>
+              <a:rPr lang="es-ES" dirty="0" err="1"/>
+              <a:t>def</a:t>
+            </a:r>
+            <a:r>
+              <a:rPr lang="es-ES" dirty="0"/>
+              <a:t> </a:t>
+            </a:r>
+            <a:r>
+              <a:rPr lang="es-ES" dirty="0" err="1"/>
+              <a:t>p_p_t</a:t>
+            </a:r>
+            <a:r>
+              <a:rPr lang="es-ES" dirty="0"/>
+              <a:t>, </a:t>
+            </a:r>
+            <a:r>
+              <a:rPr lang="es-ES" dirty="0" err="1"/>
+              <a:t>def</a:t>
+            </a:r>
+            <a:r>
+              <a:rPr lang="es-ES" dirty="0"/>
+              <a:t> trivial, </a:t>
+            </a:r>
+            <a:r>
+              <a:rPr lang="es-ES" dirty="0" err="1"/>
+              <a:t>def</a:t>
+            </a:r>
+            <a:r>
+              <a:rPr lang="es-ES" dirty="0"/>
+              <a:t> ahorcado y </a:t>
+            </a:r>
+            <a:r>
+              <a:rPr lang="es-ES" dirty="0" err="1"/>
+              <a:t>def</a:t>
+            </a:r>
+            <a:r>
+              <a:rPr lang="es-ES" dirty="0"/>
+              <a:t> 3_x_3).</a:t>
+            </a:r>
+          </a:p>
+          <a:p>
+            <a:r>
+              <a:rPr lang="es-ES" dirty="0"/>
+              <a:t>Incluir en cada juego varios jugadores.</a:t>
+            </a:r>
           </a:p>
         </p:txBody>
       </p:sp>
@@ -3839,6 +4713,14 @@
 <file path=ppt/slides/slide4.xml><?xml version="1.0" encoding="utf-8"?>
 <p:sld xmlns:a="http://schemas.openxmlformats.org/drawingml/2006/main" xmlns:r="http://schemas.openxmlformats.org/officeDocument/2006/relationships" xmlns:p="http://schemas.openxmlformats.org/presentationml/2006/main">
   <p:cSld>
+    <p:bg>
+      <p:bgPr>
+        <a:solidFill>
+          <a:schemeClr val="bg1"/>
+        </a:solidFill>
+        <a:effectLst/>
+      </p:bgPr>
+    </p:bg>
     <p:spTree>
       <p:nvGrpSpPr>
         <p:cNvPr id="1" name=""/>
@@ -3855,6 +4737,110 @@
       </p:grpSpPr>
       <p:sp>
         <p:nvSpPr>
+          <p:cNvPr id="11" name="Rectangle 10">
+            <a:extLst>
+              <a:ext uri="{FF2B5EF4-FFF2-40B4-BE49-F238E27FC236}">
+                <a16:creationId xmlns:a16="http://schemas.microsoft.com/office/drawing/2014/main" id="{9228552E-C8B1-4A80-8448-0787CE0FC704}"/>
+              </a:ext>
+              <a:ext uri="{C183D7F6-B498-43B3-948B-1728B52AA6E4}">
+                <adec:decorative xmlns:adec="http://schemas.microsoft.com/office/drawing/2017/decorative" val="1"/>
+              </a:ext>
+            </a:extLst>
+          </p:cNvPr>
+          <p:cNvSpPr>
+            <a:spLocks noGrp="1" noRot="1" noChangeAspect="1" noMove="1" noResize="1" noEditPoints="1" noAdjustHandles="1" noChangeArrowheads="1" noChangeShapeType="1" noTextEdit="1"/>
+          </p:cNvSpPr>
+          <p:nvPr>
+            <p:extLst>
+              <p:ext uri="{386F3935-93C4-4BCD-93E2-E3B085C9AB24}">
+                <p16:designElem xmlns:p16="http://schemas.microsoft.com/office/powerpoint/2015/main" val="1"/>
+              </p:ext>
+            </p:extLst>
+          </p:nvPr>
+        </p:nvSpPr>
+        <p:spPr>
+          <a:xfrm>
+            <a:off x="0" y="0"/>
+            <a:ext cx="12192000" cy="6858000"/>
+          </a:xfrm>
+          <a:prstGeom prst="rect">
+            <a:avLst/>
+          </a:prstGeom>
+          <a:solidFill>
+            <a:srgbClr val="000000"/>
+          </a:solidFill>
+          <a:ln>
+            <a:noFill/>
+          </a:ln>
+        </p:spPr>
+        <p:style>
+          <a:lnRef idx="2">
+            <a:schemeClr val="accent1">
+              <a:shade val="50000"/>
+            </a:schemeClr>
+          </a:lnRef>
+          <a:fillRef idx="1">
+            <a:schemeClr val="accent1"/>
+          </a:fillRef>
+          <a:effectRef idx="0">
+            <a:schemeClr val="accent1"/>
+          </a:effectRef>
+          <a:fontRef idx="minor">
+            <a:schemeClr val="lt1"/>
+          </a:fontRef>
+        </p:style>
+        <p:txBody>
+          <a:bodyPr rtlCol="0" anchor="ctr"/>
+          <a:lstStyle/>
+          <a:p>
+            <a:pPr algn="ctr"/>
+            <a:endParaRPr lang="en-US"/>
+          </a:p>
+        </p:txBody>
+      </p:sp>
+      <p:pic>
+        <p:nvPicPr>
+          <p:cNvPr id="5" name="Imagen 4" descr="Un conjunto de letras negras en un fondo blanco&#10;&#10;El contenido generado por IA puede ser incorrecto.">
+            <a:extLst>
+              <a:ext uri="{FF2B5EF4-FFF2-40B4-BE49-F238E27FC236}">
+                <a16:creationId xmlns:a16="http://schemas.microsoft.com/office/drawing/2014/main" id="{02C17C1A-0747-7097-3149-E0FEF348FA00}"/>
+              </a:ext>
+            </a:extLst>
+          </p:cNvPr>
+          <p:cNvPicPr>
+            <a:picLocks noChangeAspect="1"/>
+          </p:cNvPicPr>
+          <p:nvPr/>
+        </p:nvPicPr>
+        <p:blipFill>
+          <a:blip r:embed="rId2">
+            <a:alphaModFix amt="35000"/>
+            <a:extLst>
+              <a:ext uri="{28A0092B-C50C-407E-A947-70E740481C1C}">
+                <a14:useLocalDpi xmlns:a14="http://schemas.microsoft.com/office/drawing/2010/main" val="0"/>
+              </a:ext>
+              <a:ext uri="{837473B0-CC2E-450A-ABE3-18F120FF3D39}">
+                <a1611:picAttrSrcUrl xmlns:a1611="http://schemas.microsoft.com/office/drawing/2016/11/main" r:id="rId3"/>
+              </a:ext>
+            </a:extLst>
+          </a:blip>
+          <a:srcRect/>
+          <a:stretch>
+            <a:fillRect/>
+          </a:stretch>
+        </p:blipFill>
+        <p:spPr>
+          <a:xfrm>
+            <a:off x="20" y="10"/>
+            <a:ext cx="12191980" cy="6857990"/>
+          </a:xfrm>
+          <a:prstGeom prst="rect">
+            <a:avLst/>
+          </a:prstGeom>
+        </p:spPr>
+      </p:pic>
+      <p:sp>
+        <p:nvSpPr>
           <p:cNvPr id="2" name="Título 1">
             <a:extLst>
               <a:ext uri="{FF2B5EF4-FFF2-40B4-BE49-F238E27FC236}">
@@ -3869,84 +4855,221 @@
             <p:ph type="title"/>
           </p:nvPr>
         </p:nvSpPr>
-        <p:spPr/>
-        <p:txBody>
-          <a:bodyPr/>
-          <a:lstStyle/>
-          <a:p>
+        <p:spPr>
+          <a:xfrm>
+            <a:off x="838200" y="365125"/>
+            <a:ext cx="10515600" cy="1325563"/>
+          </a:xfrm>
+        </p:spPr>
+        <p:txBody>
+          <a:bodyPr>
+            <a:normAutofit/>
+          </a:bodyPr>
+          <a:lstStyle/>
+          <a:p>
+            <a:r>
+              <a:rPr lang="es-ES">
+                <a:solidFill>
+                  <a:srgbClr val="FFFFFF"/>
+                </a:solidFill>
+              </a:rPr>
+              <a:t>Piedra, papel o tijeras</a:t>
+            </a:r>
+          </a:p>
+        </p:txBody>
+      </p:sp>
+      <p:sp>
+        <p:nvSpPr>
+          <p:cNvPr id="3" name="Marcador de contenido 2">
+            <a:extLst>
+              <a:ext uri="{FF2B5EF4-FFF2-40B4-BE49-F238E27FC236}">
+                <a16:creationId xmlns:a16="http://schemas.microsoft.com/office/drawing/2014/main" id="{ABD3B6B4-8B2E-B65B-E4C1-81ED774E48E9}"/>
+              </a:ext>
+            </a:extLst>
+          </p:cNvPr>
+          <p:cNvSpPr>
+            <a:spLocks noGrp="1"/>
+          </p:cNvSpPr>
+          <p:nvPr>
+            <p:ph idx="1"/>
+          </p:nvPr>
+        </p:nvSpPr>
+        <p:spPr>
+          <a:xfrm>
+            <a:off x="838200" y="1825625"/>
+            <a:ext cx="10515600" cy="4351338"/>
+          </a:xfrm>
+        </p:spPr>
+        <p:txBody>
+          <a:bodyPr>
+            <a:normAutofit fontScale="85000" lnSpcReduction="20000"/>
+          </a:bodyPr>
+          <a:lstStyle/>
+          <a:p>
+            <a:r>
+              <a:rPr lang="es-ES" dirty="0">
+                <a:solidFill>
+                  <a:srgbClr val="FFFFFF"/>
+                </a:solidFill>
+              </a:rPr>
+              <a:t>El juego de Piedra Papel y Tijera debe ser jugable por 1 jugador contra el PC (de forma aleatoria) y </a:t>
+            </a:r>
             <a:r>
               <a:rPr lang="es-ES" dirty="0"/>
-              <a:t>Piedra, papel o tijeras</a:t>
-            </a:r>
-          </a:p>
-        </p:txBody>
-      </p:sp>
-      <p:sp>
-        <p:nvSpPr>
-          <p:cNvPr id="3" name="Marcador de contenido 2">
-            <a:extLst>
-              <a:ext uri="{FF2B5EF4-FFF2-40B4-BE49-F238E27FC236}">
-                <a16:creationId xmlns:a16="http://schemas.microsoft.com/office/drawing/2014/main" id="{ABD3B6B4-8B2E-B65B-E4C1-81ED774E48E9}"/>
-              </a:ext>
-            </a:extLst>
-          </p:cNvPr>
-          <p:cNvSpPr>
-            <a:spLocks noGrp="1"/>
-          </p:cNvSpPr>
-          <p:nvPr>
-            <p:ph idx="1"/>
-          </p:nvPr>
-        </p:nvSpPr>
-        <p:spPr/>
-        <p:txBody>
-          <a:bodyPr/>
-          <a:lstStyle/>
+              <a:t>eligen una de las tres opciones: "Piedra", "Papel" o "Tijera".</a:t>
+            </a:r>
+          </a:p>
           <a:p>
             <a:r>
               <a:rPr lang="es-ES" dirty="0"/>
-              <a:t>El juego de Piedra Papel y Tijera debe ser jugable por 1 jugador contra el PC (de forma aleatoria).</a:t>
-            </a:r>
-          </a:p>
-          <a:p>
+              <a:t>Las reglas para determinar al ganador son: </a:t>
+            </a:r>
+          </a:p>
+          <a:p>
+            <a:pPr lvl="1"/>
             <a:r>
               <a:rPr lang="es-ES" dirty="0"/>
+              <a:t>Piedra vence a Tijera.</a:t>
+            </a:r>
+          </a:p>
+          <a:p>
+            <a:pPr lvl="1"/>
+            <a:r>
+              <a:rPr lang="es-ES" dirty="0"/>
+              <a:t>Tijera vence a Papel.</a:t>
+            </a:r>
+          </a:p>
+          <a:p>
+            <a:pPr lvl="1"/>
+            <a:r>
+              <a:rPr lang="es-ES" dirty="0"/>
+              <a:t>Papel vence a Piedra.</a:t>
+            </a:r>
+          </a:p>
+          <a:p>
+            <a:r>
+              <a:rPr lang="es-ES" dirty="0"/>
+              <a:t>El jugador que gana una ronda obtiene un punto.</a:t>
+            </a:r>
+          </a:p>
+          <a:p>
+            <a:r>
+              <a:rPr lang="es-ES" dirty="0"/>
+              <a:t>El juego continúa hasta que un jugador haya acumulado 3 puntos, convirtiéndose en el ganador.</a:t>
+            </a:r>
+            <a:endParaRPr lang="es-ES" dirty="0">
+              <a:solidFill>
+                <a:srgbClr val="FFFFFF"/>
+              </a:solidFill>
+            </a:endParaRPr>
+          </a:p>
+          <a:p>
+            <a:r>
+              <a:rPr lang="es-ES" dirty="0">
+                <a:solidFill>
+                  <a:srgbClr val="FFFFFF"/>
+                </a:solidFill>
+              </a:rPr>
               <a:t>Debe ser fácil de entender y de jugar, sabiendo en todo momento en qué punto se encuentra el juego.</a:t>
             </a:r>
           </a:p>
           <a:p>
             <a:r>
-              <a:rPr lang="es-ES" dirty="0"/>
-              <a:t>El juego debe seguir las reglas estándar de Piedra Papel y Tijera.</a:t>
-            </a:r>
-          </a:p>
-          <a:p>
-            <a:pPr marL="0" indent="0">
-              <a:buNone/>
+              <a:rPr lang="es-ES" dirty="0">
+                <a:solidFill>
+                  <a:srgbClr val="FFFFFF"/>
+                </a:solidFill>
+              </a:rPr>
+              <a:t>Se deben implementar mensajes de victoria, empate y derrota.</a:t>
+            </a:r>
+          </a:p>
+          <a:p>
+            <a:endParaRPr lang="es-ES" dirty="0">
+              <a:solidFill>
+                <a:srgbClr val="FFFFFF"/>
+              </a:solidFill>
+            </a:endParaRPr>
+          </a:p>
+        </p:txBody>
+      </p:sp>
+      <p:sp>
+        <p:nvSpPr>
+          <p:cNvPr id="6" name="CuadroTexto 5">
+            <a:extLst>
+              <a:ext uri="{FF2B5EF4-FFF2-40B4-BE49-F238E27FC236}">
+                <a16:creationId xmlns:a16="http://schemas.microsoft.com/office/drawing/2014/main" id="{8E0CA1BD-D96F-7F98-3DDA-EEA1AF50FFF4}"/>
+              </a:ext>
+            </a:extLst>
+          </p:cNvPr>
+          <p:cNvSpPr txBox="1"/>
+          <p:nvPr/>
+        </p:nvSpPr>
+        <p:spPr>
+          <a:xfrm>
+            <a:off x="9549931" y="6657945"/>
+            <a:ext cx="2642069" cy="200055"/>
+          </a:xfrm>
+          <a:prstGeom prst="rect">
+            <a:avLst/>
+          </a:prstGeom>
+          <a:solidFill>
+            <a:srgbClr val="000000"/>
+          </a:solidFill>
+        </p:spPr>
+        <p:txBody>
+          <a:bodyPr wrap="none" rtlCol="0">
+            <a:spAutoFit/>
+          </a:bodyPr>
+          <a:lstStyle/>
+          <a:p>
+            <a:pPr algn="r">
+              <a:spcAft>
+                <a:spcPts val="600"/>
+              </a:spcAft>
             </a:pPr>
             <a:r>
-              <a:rPr lang="es-ES" dirty="0"/>
-              <a:t>*las </a:t>
-            </a:r>
-            <a:r>
-              <a:rPr lang="es-ES"/>
-              <a:t>explicamos aquí*</a:t>
-            </a:r>
-            <a:endParaRPr lang="es-ES" dirty="0"/>
-          </a:p>
-          <a:p>
-            <a:r>
-              <a:rPr lang="es-ES" dirty="0"/>
-              <a:t>Se deben implementar mensajes de victoria, empate y derrota.</a:t>
-            </a:r>
-          </a:p>
-          <a:p>
-            <a:r>
-              <a:rPr lang="es-ES" dirty="0"/>
-              <a:t>El código debe estar bien documentado y seguir las mejores prácticas de programación en Python.</a:t>
-            </a:r>
-          </a:p>
-          <a:p>
-            <a:endParaRPr lang="es-ES" dirty="0"/>
+              <a:rPr lang="es-ES" sz="700">
+                <a:solidFill>
+                  <a:srgbClr val="FFFFFF"/>
+                </a:solidFill>
+                <a:hlinkClick r:id="rId3" tooltip="http://conlapizyteclas.blogspot.com/2016/04/quien-eres-tu-piedra-papel-o-tijeras.html">
+                  <a:extLst>
+                    <a:ext uri="{A12FA001-AC4F-418D-AE19-62706E023703}">
+                      <ahyp:hlinkClr xmlns:ahyp="http://schemas.microsoft.com/office/drawing/2018/hyperlinkcolor" val="tx"/>
+                    </a:ext>
+                  </a:extLst>
+                </a:hlinkClick>
+              </a:rPr>
+              <a:t>Esta foto</a:t>
+            </a:r>
+            <a:r>
+              <a:rPr lang="es-ES" sz="700">
+                <a:solidFill>
+                  <a:srgbClr val="FFFFFF"/>
+                </a:solidFill>
+              </a:rPr>
+              <a:t> de Autor desconocido está bajo licencia </a:t>
+            </a:r>
+            <a:r>
+              <a:rPr lang="es-ES" sz="700">
+                <a:solidFill>
+                  <a:srgbClr val="FFFFFF"/>
+                </a:solidFill>
+                <a:hlinkClick r:id="rId4" tooltip="https://creativecommons.org/licenses/by-nc-sa/3.0/">
+                  <a:extLst>
+                    <a:ext uri="{A12FA001-AC4F-418D-AE19-62706E023703}">
+                      <ahyp:hlinkClr xmlns:ahyp="http://schemas.microsoft.com/office/drawing/2018/hyperlinkcolor" val="tx"/>
+                    </a:ext>
+                  </a:extLst>
+                </a:hlinkClick>
+              </a:rPr>
+              <a:t>CC BY-SA-NC</a:t>
+            </a:r>
+            <a:endParaRPr lang="es-ES" sz="700">
+              <a:solidFill>
+                <a:srgbClr val="FFFFFF"/>
+              </a:solidFill>
+            </a:endParaRPr>
           </a:p>
         </p:txBody>
       </p:sp>
@@ -3958,7 +5081,7 @@
     </p:extLst>
   </p:cSld>
   <p:clrMapOvr>
-    <a:masterClrMapping/>
+    <a:overrideClrMapping bg1="dk1" tx1="lt1" bg2="dk2" tx2="lt2" accent1="accent1" accent2="accent2" accent3="accent3" accent4="accent4" accent5="accent5" accent6="accent6" hlink="hlink" folHlink="folHlink"/>
   </p:clrMapOvr>
 </p:sld>
 </file>
@@ -4058,6 +5181,14 @@
 <file path=ppt/slides/slide6.xml><?xml version="1.0" encoding="utf-8"?>
 <p:sld xmlns:a="http://schemas.openxmlformats.org/drawingml/2006/main" xmlns:r="http://schemas.openxmlformats.org/officeDocument/2006/relationships" xmlns:p="http://schemas.openxmlformats.org/presentationml/2006/main">
   <p:cSld>
+    <p:bg>
+      <p:bgPr>
+        <a:solidFill>
+          <a:schemeClr val="bg1"/>
+        </a:solidFill>
+        <a:effectLst/>
+      </p:bgPr>
+    </p:bg>
     <p:spTree>
       <p:nvGrpSpPr>
         <p:cNvPr id="1" name=""/>
@@ -4074,6 +5205,110 @@
       </p:grpSpPr>
       <p:sp>
         <p:nvSpPr>
+          <p:cNvPr id="14" name="Rectangle 13">
+            <a:extLst>
+              <a:ext uri="{FF2B5EF4-FFF2-40B4-BE49-F238E27FC236}">
+                <a16:creationId xmlns:a16="http://schemas.microsoft.com/office/drawing/2014/main" id="{9228552E-C8B1-4A80-8448-0787CE0FC704}"/>
+              </a:ext>
+              <a:ext uri="{C183D7F6-B498-43B3-948B-1728B52AA6E4}">
+                <adec:decorative xmlns:adec="http://schemas.microsoft.com/office/drawing/2017/decorative" val="1"/>
+              </a:ext>
+            </a:extLst>
+          </p:cNvPr>
+          <p:cNvSpPr>
+            <a:spLocks noGrp="1" noRot="1" noChangeAspect="1" noMove="1" noResize="1" noEditPoints="1" noAdjustHandles="1" noChangeArrowheads="1" noChangeShapeType="1" noTextEdit="1"/>
+          </p:cNvSpPr>
+          <p:nvPr>
+            <p:extLst>
+              <p:ext uri="{386F3935-93C4-4BCD-93E2-E3B085C9AB24}">
+                <p16:designElem xmlns:p16="http://schemas.microsoft.com/office/powerpoint/2015/main" val="1"/>
+              </p:ext>
+            </p:extLst>
+          </p:nvPr>
+        </p:nvSpPr>
+        <p:spPr>
+          <a:xfrm>
+            <a:off x="0" y="0"/>
+            <a:ext cx="12192000" cy="6858000"/>
+          </a:xfrm>
+          <a:prstGeom prst="rect">
+            <a:avLst/>
+          </a:prstGeom>
+          <a:solidFill>
+            <a:srgbClr val="000000"/>
+          </a:solidFill>
+          <a:ln>
+            <a:noFill/>
+          </a:ln>
+        </p:spPr>
+        <p:style>
+          <a:lnRef idx="2">
+            <a:schemeClr val="accent1">
+              <a:shade val="50000"/>
+            </a:schemeClr>
+          </a:lnRef>
+          <a:fillRef idx="1">
+            <a:schemeClr val="accent1"/>
+          </a:fillRef>
+          <a:effectRef idx="0">
+            <a:schemeClr val="accent1"/>
+          </a:effectRef>
+          <a:fontRef idx="minor">
+            <a:schemeClr val="lt1"/>
+          </a:fontRef>
+        </p:style>
+        <p:txBody>
+          <a:bodyPr rtlCol="0" anchor="ctr"/>
+          <a:lstStyle/>
+          <a:p>
+            <a:pPr algn="ctr"/>
+            <a:endParaRPr lang="en-US"/>
+          </a:p>
+        </p:txBody>
+      </p:sp>
+      <p:pic>
+        <p:nvPicPr>
+          <p:cNvPr id="8" name="Imagen 7" descr="Mapa">
+            <a:extLst>
+              <a:ext uri="{FF2B5EF4-FFF2-40B4-BE49-F238E27FC236}">
+                <a16:creationId xmlns:a16="http://schemas.microsoft.com/office/drawing/2014/main" id="{D99460AF-8D08-5DD6-DF46-A6F19F1BCADF}"/>
+              </a:ext>
+            </a:extLst>
+          </p:cNvPr>
+          <p:cNvPicPr>
+            <a:picLocks noChangeAspect="1"/>
+          </p:cNvPicPr>
+          <p:nvPr/>
+        </p:nvPicPr>
+        <p:blipFill>
+          <a:blip r:embed="rId2">
+            <a:alphaModFix amt="35000"/>
+            <a:extLst>
+              <a:ext uri="{28A0092B-C50C-407E-A947-70E740481C1C}">
+                <a14:useLocalDpi xmlns:a14="http://schemas.microsoft.com/office/drawing/2010/main" val="0"/>
+              </a:ext>
+              <a:ext uri="{837473B0-CC2E-450A-ABE3-18F120FF3D39}">
+                <a1611:picAttrSrcUrl xmlns:a1611="http://schemas.microsoft.com/office/drawing/2016/11/main" r:id="rId3"/>
+              </a:ext>
+            </a:extLst>
+          </a:blip>
+          <a:srcRect b="6250"/>
+          <a:stretch>
+            <a:fillRect/>
+          </a:stretch>
+        </p:blipFill>
+        <p:spPr>
+          <a:xfrm>
+            <a:off x="20" y="10"/>
+            <a:ext cx="12191980" cy="6857990"/>
+          </a:xfrm>
+          <a:prstGeom prst="rect">
+            <a:avLst/>
+          </a:prstGeom>
+        </p:spPr>
+      </p:pic>
+      <p:sp>
+        <p:nvSpPr>
           <p:cNvPr id="2" name="Título 1">
             <a:extLst>
               <a:ext uri="{FF2B5EF4-FFF2-40B4-BE49-F238E27FC236}">
@@ -4088,40 +5323,167 @@
             <p:ph type="title"/>
           </p:nvPr>
         </p:nvSpPr>
-        <p:spPr/>
-        <p:txBody>
-          <a:bodyPr/>
+        <p:spPr>
+          <a:xfrm>
+            <a:off x="838200" y="365125"/>
+            <a:ext cx="10515600" cy="1325563"/>
+          </a:xfrm>
+        </p:spPr>
+        <p:txBody>
+          <a:bodyPr>
+            <a:normAutofit/>
+          </a:bodyPr>
+          <a:lstStyle/>
+          <a:p>
+            <a:r>
+              <a:rPr lang="es-ES">
+                <a:solidFill>
+                  <a:srgbClr val="FFFFFF"/>
+                </a:solidFill>
+              </a:rPr>
+              <a:t>Trivial de geografía</a:t>
+            </a:r>
+          </a:p>
+        </p:txBody>
+      </p:sp>
+      <p:sp>
+        <p:nvSpPr>
+          <p:cNvPr id="3" name="Marcador de contenido 2">
+            <a:extLst>
+              <a:ext uri="{FF2B5EF4-FFF2-40B4-BE49-F238E27FC236}">
+                <a16:creationId xmlns:a16="http://schemas.microsoft.com/office/drawing/2014/main" id="{0741D3FF-8646-5EFC-BAA7-4FBB1E32816C}"/>
+              </a:ext>
+            </a:extLst>
+          </p:cNvPr>
+          <p:cNvSpPr>
+            <a:spLocks noGrp="1"/>
+          </p:cNvSpPr>
+          <p:nvPr>
+            <p:ph idx="1"/>
+          </p:nvPr>
+        </p:nvSpPr>
+        <p:spPr>
+          <a:xfrm>
+            <a:off x="838200" y="1825625"/>
+            <a:ext cx="10515600" cy="4351338"/>
+          </a:xfrm>
+        </p:spPr>
+        <p:txBody>
+          <a:bodyPr>
+            <a:normAutofit/>
+          </a:bodyPr>
           <a:lstStyle/>
           <a:p>
             <a:r>
               <a:rPr lang="es-ES" dirty="0"/>
-              <a:t>Trivial de geografía</a:t>
-            </a:r>
-          </a:p>
-        </p:txBody>
-      </p:sp>
-      <p:sp>
-        <p:nvSpPr>
-          <p:cNvPr id="3" name="Marcador de contenido 2">
-            <a:extLst>
-              <a:ext uri="{FF2B5EF4-FFF2-40B4-BE49-F238E27FC236}">
-                <a16:creationId xmlns:a16="http://schemas.microsoft.com/office/drawing/2014/main" id="{0741D3FF-8646-5EFC-BAA7-4FBB1E32816C}"/>
-              </a:ext>
-            </a:extLst>
-          </p:cNvPr>
-          <p:cNvSpPr>
-            <a:spLocks noGrp="1"/>
-          </p:cNvSpPr>
-          <p:nvPr>
-            <p:ph idx="1"/>
-          </p:nvPr>
-        </p:nvSpPr>
-        <p:spPr/>
-        <p:txBody>
-          <a:bodyPr/>
-          <a:lstStyle/>
-          <a:p>
-            <a:endParaRPr lang="es-ES"/>
+              <a:t>El juego consiste en hacer preguntas de geografía y que el jugador adivine la respuesta correcta.</a:t>
+            </a:r>
+          </a:p>
+          <a:p>
+            <a:r>
+              <a:rPr lang="es-ES" dirty="0"/>
+              <a:t> Cada pregunta tiene una respuesta única y correcta.</a:t>
+            </a:r>
+          </a:p>
+          <a:p>
+            <a:r>
+              <a:rPr lang="es-ES" dirty="0"/>
+              <a:t>El jugador tiene un número limitado de intentos para responder correctamente a cada pregunta.</a:t>
+            </a:r>
+          </a:p>
+          <a:p>
+            <a:r>
+              <a:rPr lang="es-ES" dirty="0"/>
+              <a:t>El juego sigue hasta que el jugador responda incorrectamente 3 de veces o haya respondido 5 preguntas correctamente.</a:t>
+            </a:r>
+          </a:p>
+          <a:p>
+            <a:endParaRPr lang="es-ES" dirty="0">
+              <a:solidFill>
+                <a:srgbClr val="FFFFFF"/>
+              </a:solidFill>
+            </a:endParaRPr>
+          </a:p>
+        </p:txBody>
+      </p:sp>
+      <p:sp>
+        <p:nvSpPr>
+          <p:cNvPr id="9" name="CuadroTexto 8">
+            <a:extLst>
+              <a:ext uri="{FF2B5EF4-FFF2-40B4-BE49-F238E27FC236}">
+                <a16:creationId xmlns:a16="http://schemas.microsoft.com/office/drawing/2014/main" id="{C2E91F96-089C-81BC-171B-BE436A3A1C85}"/>
+              </a:ext>
+            </a:extLst>
+          </p:cNvPr>
+          <p:cNvSpPr txBox="1"/>
+          <p:nvPr/>
+        </p:nvSpPr>
+        <p:spPr>
+          <a:xfrm>
+            <a:off x="9549930" y="6657945"/>
+            <a:ext cx="2642070" cy="200055"/>
+          </a:xfrm>
+          <a:prstGeom prst="rect">
+            <a:avLst/>
+          </a:prstGeom>
+          <a:solidFill>
+            <a:srgbClr val="000000"/>
+          </a:solidFill>
+        </p:spPr>
+        <p:txBody>
+          <a:bodyPr wrap="none" rtlCol="0">
+            <a:spAutoFit/>
+          </a:bodyPr>
+          <a:lstStyle/>
+          <a:p>
+            <a:pPr algn="r">
+              <a:spcAft>
+                <a:spcPts val="600"/>
+              </a:spcAft>
+            </a:pPr>
+            <a:r>
+              <a:rPr lang="es-ES" sz="700">
+                <a:solidFill>
+                  <a:srgbClr val="FFFFFF"/>
+                </a:solidFill>
+                <a:hlinkClick r:id="rId3" tooltip="https://sexamoscuriosos.blogspot.com/2012/11/">
+                  <a:extLst>
+                    <a:ext uri="{A12FA001-AC4F-418D-AE19-62706E023703}">
+                      <ahyp:hlinkClr xmlns:ahyp="http://schemas.microsoft.com/office/drawing/2018/hyperlinkcolor" val="tx"/>
+                    </a:ext>
+                  </a:extLst>
+                </a:hlinkClick>
+              </a:rPr>
+              <a:t>Esta foto</a:t>
+            </a:r>
+            <a:r>
+              <a:rPr lang="es-ES" sz="700">
+                <a:solidFill>
+                  <a:srgbClr val="FFFFFF"/>
+                </a:solidFill>
+              </a:rPr>
+              <a:t> de Autor desconocido está bajo licencia </a:t>
+            </a:r>
+            <a:r>
+              <a:rPr lang="es-ES" sz="700">
+                <a:solidFill>
+                  <a:srgbClr val="FFFFFF"/>
+                </a:solidFill>
+                <a:hlinkClick r:id="rId4" tooltip="https://creativecommons.org/licenses/by-nc-sa/3.0/">
+                  <a:extLst>
+                    <a:ext uri="{A12FA001-AC4F-418D-AE19-62706E023703}">
+                      <ahyp:hlinkClr xmlns:ahyp="http://schemas.microsoft.com/office/drawing/2018/hyperlinkcolor" val="tx"/>
+                    </a:ext>
+                  </a:extLst>
+                </a:hlinkClick>
+              </a:rPr>
+              <a:t>CC BY-SA-NC</a:t>
+            </a:r>
+            <a:endParaRPr lang="es-ES" sz="700">
+              <a:solidFill>
+                <a:srgbClr val="FFFFFF"/>
+              </a:solidFill>
+            </a:endParaRPr>
           </a:p>
         </p:txBody>
       </p:sp>
@@ -4133,8 +5495,100 @@
     </p:extLst>
   </p:cSld>
   <p:clrMapOvr>
-    <a:masterClrMapping/>
+    <a:overrideClrMapping bg1="dk1" tx1="lt1" bg2="dk2" tx2="lt2" accent1="accent1" accent2="accent2" accent3="accent3" accent4="accent4" accent5="accent5" accent6="accent6" hlink="hlink" folHlink="folHlink"/>
   </p:clrMapOvr>
+  <p:timing>
+    <p:tnLst>
+      <p:par>
+        <p:cTn id="1" dur="indefinite" restart="never" nodeType="tmRoot">
+          <p:childTnLst>
+            <p:seq concurrent="1" nextAc="seek">
+              <p:cTn id="2" dur="indefinite" nodeType="mainSeq">
+                <p:childTnLst>
+                  <p:par>
+                    <p:cTn id="3" fill="hold">
+                      <p:stCondLst>
+                        <p:cond delay="indefinite"/>
+                        <p:cond evt="onBegin" delay="0">
+                          <p:tn val="2"/>
+                        </p:cond>
+                      </p:stCondLst>
+                      <p:childTnLst>
+                        <p:par>
+                          <p:cTn id="4" fill="hold">
+                            <p:stCondLst>
+                              <p:cond delay="0"/>
+                            </p:stCondLst>
+                            <p:childTnLst>
+                              <p:par>
+                                <p:cTn id="5" presetID="10" presetClass="entr" presetSubtype="0" fill="hold" grpId="0" nodeType="withEffect">
+                                  <p:stCondLst>
+                                    <p:cond delay="1000"/>
+                                  </p:stCondLst>
+                                  <p:iterate>
+                                    <p:tmPct val="10000"/>
+                                  </p:iterate>
+                                  <p:childTnLst>
+                                    <p:set>
+                                      <p:cBhvr>
+                                        <p:cTn id="6" dur="1" fill="hold">
+                                          <p:stCondLst>
+                                            <p:cond delay="0"/>
+                                          </p:stCondLst>
+                                        </p:cTn>
+                                        <p:tgtEl>
+                                          <p:spTgt spid="2"/>
+                                        </p:tgtEl>
+                                        <p:attrNameLst>
+                                          <p:attrName>style.visibility</p:attrName>
+                                        </p:attrNameLst>
+                                      </p:cBhvr>
+                                      <p:to>
+                                        <p:strVal val="visible"/>
+                                      </p:to>
+                                    </p:set>
+                                    <p:animEffect transition="in" filter="fade">
+                                      <p:cBhvr>
+                                        <p:cTn id="7" dur="700"/>
+                                        <p:tgtEl>
+                                          <p:spTgt spid="2"/>
+                                        </p:tgtEl>
+                                      </p:cBhvr>
+                                    </p:animEffect>
+                                  </p:childTnLst>
+                                </p:cTn>
+                              </p:par>
+                            </p:childTnLst>
+                          </p:cTn>
+                        </p:par>
+                      </p:childTnLst>
+                    </p:cTn>
+                  </p:par>
+                </p:childTnLst>
+              </p:cTn>
+              <p:prevCondLst>
+                <p:cond evt="onPrev" delay="0">
+                  <p:tgtEl>
+                    <p:sldTgt/>
+                  </p:tgtEl>
+                </p:cond>
+              </p:prevCondLst>
+              <p:nextCondLst>
+                <p:cond evt="onNext" delay="0">
+                  <p:tgtEl>
+                    <p:sldTgt/>
+                  </p:tgtEl>
+                </p:cond>
+              </p:nextCondLst>
+            </p:seq>
+          </p:childTnLst>
+        </p:cTn>
+      </p:par>
+    </p:tnLst>
+    <p:bldLst>
+      <p:bldP spid="2" grpId="0"/>
+    </p:bldLst>
+  </p:timing>
 </p:sld>
 </file>
 
@@ -4224,6 +5678,14 @@
 <file path=ppt/slides/slide8.xml><?xml version="1.0" encoding="utf-8"?>
 <p:sld xmlns:a="http://schemas.openxmlformats.org/drawingml/2006/main" xmlns:r="http://schemas.openxmlformats.org/officeDocument/2006/relationships" xmlns:p="http://schemas.openxmlformats.org/presentationml/2006/main">
   <p:cSld>
+    <p:bg>
+      <p:bgPr>
+        <a:solidFill>
+          <a:schemeClr val="bg1"/>
+        </a:solidFill>
+        <a:effectLst/>
+      </p:bgPr>
+    </p:bg>
     <p:spTree>
       <p:nvGrpSpPr>
         <p:cNvPr id="1" name=""/>
@@ -4240,6 +5702,110 @@
       </p:grpSpPr>
       <p:sp>
         <p:nvSpPr>
+          <p:cNvPr id="11" name="Rectangle 10">
+            <a:extLst>
+              <a:ext uri="{FF2B5EF4-FFF2-40B4-BE49-F238E27FC236}">
+                <a16:creationId xmlns:a16="http://schemas.microsoft.com/office/drawing/2014/main" id="{9228552E-C8B1-4A80-8448-0787CE0FC704}"/>
+              </a:ext>
+              <a:ext uri="{C183D7F6-B498-43B3-948B-1728B52AA6E4}">
+                <adec:decorative xmlns:adec="http://schemas.microsoft.com/office/drawing/2017/decorative" val="1"/>
+              </a:ext>
+            </a:extLst>
+          </p:cNvPr>
+          <p:cNvSpPr>
+            <a:spLocks noGrp="1" noRot="1" noChangeAspect="1" noMove="1" noResize="1" noEditPoints="1" noAdjustHandles="1" noChangeArrowheads="1" noChangeShapeType="1" noTextEdit="1"/>
+          </p:cNvSpPr>
+          <p:nvPr>
+            <p:extLst>
+              <p:ext uri="{386F3935-93C4-4BCD-93E2-E3B085C9AB24}">
+                <p16:designElem xmlns:p16="http://schemas.microsoft.com/office/powerpoint/2015/main" val="1"/>
+              </p:ext>
+            </p:extLst>
+          </p:nvPr>
+        </p:nvSpPr>
+        <p:spPr>
+          <a:xfrm>
+            <a:off x="0" y="0"/>
+            <a:ext cx="12192000" cy="6858000"/>
+          </a:xfrm>
+          <a:prstGeom prst="rect">
+            <a:avLst/>
+          </a:prstGeom>
+          <a:solidFill>
+            <a:srgbClr val="000000"/>
+          </a:solidFill>
+          <a:ln>
+            <a:noFill/>
+          </a:ln>
+        </p:spPr>
+        <p:style>
+          <a:lnRef idx="2">
+            <a:schemeClr val="accent1">
+              <a:shade val="50000"/>
+            </a:schemeClr>
+          </a:lnRef>
+          <a:fillRef idx="1">
+            <a:schemeClr val="accent1"/>
+          </a:fillRef>
+          <a:effectRef idx="0">
+            <a:schemeClr val="accent1"/>
+          </a:effectRef>
+          <a:fontRef idx="minor">
+            <a:schemeClr val="lt1"/>
+          </a:fontRef>
+        </p:style>
+        <p:txBody>
+          <a:bodyPr rtlCol="0" anchor="ctr"/>
+          <a:lstStyle/>
+          <a:p>
+            <a:pPr algn="ctr"/>
+            <a:endParaRPr lang="en-US"/>
+          </a:p>
+        </p:txBody>
+      </p:sp>
+      <p:pic>
+        <p:nvPicPr>
+          <p:cNvPr id="5" name="Imagen 4" descr="Texto&#10;&#10;El contenido generado por IA puede ser incorrecto.">
+            <a:extLst>
+              <a:ext uri="{FF2B5EF4-FFF2-40B4-BE49-F238E27FC236}">
+                <a16:creationId xmlns:a16="http://schemas.microsoft.com/office/drawing/2014/main" id="{B5782577-F4B9-C130-498B-34647EE9D43D}"/>
+              </a:ext>
+            </a:extLst>
+          </p:cNvPr>
+          <p:cNvPicPr>
+            <a:picLocks noChangeAspect="1"/>
+          </p:cNvPicPr>
+          <p:nvPr/>
+        </p:nvPicPr>
+        <p:blipFill>
+          <a:blip r:embed="rId2">
+            <a:alphaModFix amt="35000"/>
+            <a:extLst>
+              <a:ext uri="{28A0092B-C50C-407E-A947-70E740481C1C}">
+                <a14:useLocalDpi xmlns:a14="http://schemas.microsoft.com/office/drawing/2010/main" val="0"/>
+              </a:ext>
+              <a:ext uri="{837473B0-CC2E-450A-ABE3-18F120FF3D39}">
+                <a1611:picAttrSrcUrl xmlns:a1611="http://schemas.microsoft.com/office/drawing/2016/11/main" r:id="rId3"/>
+              </a:ext>
+            </a:extLst>
+          </a:blip>
+          <a:srcRect t="4568" b="15644"/>
+          <a:stretch>
+            <a:fillRect/>
+          </a:stretch>
+        </p:blipFill>
+        <p:spPr>
+          <a:xfrm>
+            <a:off x="20" y="10"/>
+            <a:ext cx="12191980" cy="6857990"/>
+          </a:xfrm>
+          <a:prstGeom prst="rect">
+            <a:avLst/>
+          </a:prstGeom>
+        </p:spPr>
+      </p:pic>
+      <p:sp>
+        <p:nvSpPr>
           <p:cNvPr id="2" name="Título 1">
             <a:extLst>
               <a:ext uri="{FF2B5EF4-FFF2-40B4-BE49-F238E27FC236}">
@@ -4254,40 +5820,173 @@
             <p:ph type="title"/>
           </p:nvPr>
         </p:nvSpPr>
-        <p:spPr/>
-        <p:txBody>
-          <a:bodyPr/>
+        <p:spPr>
+          <a:xfrm>
+            <a:off x="838200" y="365125"/>
+            <a:ext cx="10515600" cy="1325563"/>
+          </a:xfrm>
+        </p:spPr>
+        <p:txBody>
+          <a:bodyPr>
+            <a:normAutofit/>
+          </a:bodyPr>
+          <a:lstStyle/>
+          <a:p>
+            <a:r>
+              <a:rPr lang="es-ES">
+                <a:solidFill>
+                  <a:srgbClr val="FFFFFF"/>
+                </a:solidFill>
+              </a:rPr>
+              <a:t>Juego del Ahorcado</a:t>
+            </a:r>
+          </a:p>
+        </p:txBody>
+      </p:sp>
+      <p:sp>
+        <p:nvSpPr>
+          <p:cNvPr id="3" name="Marcador de contenido 2">
+            <a:extLst>
+              <a:ext uri="{FF2B5EF4-FFF2-40B4-BE49-F238E27FC236}">
+                <a16:creationId xmlns:a16="http://schemas.microsoft.com/office/drawing/2014/main" id="{E1B96B69-DD83-31E6-F321-385F1240FE36}"/>
+              </a:ext>
+            </a:extLst>
+          </p:cNvPr>
+          <p:cNvSpPr>
+            <a:spLocks noGrp="1"/>
+          </p:cNvSpPr>
+          <p:nvPr>
+            <p:ph idx="1"/>
+          </p:nvPr>
+        </p:nvSpPr>
+        <p:spPr>
+          <a:xfrm>
+            <a:off x="838200" y="1825625"/>
+            <a:ext cx="10515600" cy="4351338"/>
+          </a:xfrm>
+        </p:spPr>
+        <p:txBody>
+          <a:bodyPr>
+            <a:normAutofit/>
+          </a:bodyPr>
           <a:lstStyle/>
           <a:p>
             <a:r>
               <a:rPr lang="es-ES" dirty="0"/>
-              <a:t>Juego del Ahorcado</a:t>
-            </a:r>
-          </a:p>
-        </p:txBody>
-      </p:sp>
-      <p:sp>
-        <p:nvSpPr>
-          <p:cNvPr id="3" name="Marcador de contenido 2">
-            <a:extLst>
-              <a:ext uri="{FF2B5EF4-FFF2-40B4-BE49-F238E27FC236}">
-                <a16:creationId xmlns:a16="http://schemas.microsoft.com/office/drawing/2014/main" id="{E1B96B69-DD83-31E6-F321-385F1240FE36}"/>
-              </a:ext>
-            </a:extLst>
-          </p:cNvPr>
-          <p:cNvSpPr>
-            <a:spLocks noGrp="1"/>
-          </p:cNvSpPr>
-          <p:nvPr>
-            <p:ph idx="1"/>
-          </p:nvPr>
-        </p:nvSpPr>
-        <p:spPr/>
-        <p:txBody>
-          <a:bodyPr/>
-          <a:lstStyle/>
-          <a:p>
-            <a:endParaRPr lang="es-ES"/>
+              <a:t>Un jugador elige una palabra secreta y dibuja un espacio para cada letra de la palabra.</a:t>
+            </a:r>
+          </a:p>
+          <a:p>
+            <a:r>
+              <a:rPr lang="es-ES" dirty="0"/>
+              <a:t>El otro jugador intenta adivinar letras para completar la palabra.</a:t>
+            </a:r>
+          </a:p>
+          <a:p>
+            <a:r>
+              <a:rPr lang="es-ES" dirty="0"/>
+              <a:t>Si el jugador adivinador adivina una letra correctamente, se revela en su lugar correspondiente.</a:t>
+            </a:r>
+          </a:p>
+          <a:p>
+            <a:r>
+              <a:rPr lang="es-ES" dirty="0"/>
+              <a:t>Si el jugador adivinador adivina incorrectamente, se dibuja una parte del cuerpo en la horca.</a:t>
+            </a:r>
+          </a:p>
+          <a:p>
+            <a:r>
+              <a:rPr lang="es-ES" dirty="0"/>
+              <a:t>El objetivo del jugador adivinador es adivinar la palabra antes de que se dibuje el dibujo completo en la horca.</a:t>
+            </a:r>
+          </a:p>
+          <a:p>
+            <a:endParaRPr lang="es-ES" dirty="0">
+              <a:solidFill>
+                <a:srgbClr val="FFFFFF"/>
+              </a:solidFill>
+            </a:endParaRPr>
+          </a:p>
+        </p:txBody>
+      </p:sp>
+      <p:sp>
+        <p:nvSpPr>
+          <p:cNvPr id="6" name="CuadroTexto 5">
+            <a:extLst>
+              <a:ext uri="{FF2B5EF4-FFF2-40B4-BE49-F238E27FC236}">
+                <a16:creationId xmlns:a16="http://schemas.microsoft.com/office/drawing/2014/main" id="{3CAF2EE6-0153-3E79-5AB3-54FCA7868FAD}"/>
+              </a:ext>
+            </a:extLst>
+          </p:cNvPr>
+          <p:cNvSpPr txBox="1"/>
+          <p:nvPr/>
+        </p:nvSpPr>
+        <p:spPr>
+          <a:xfrm>
+            <a:off x="9529092" y="6657945"/>
+            <a:ext cx="2662908" cy="200055"/>
+          </a:xfrm>
+          <a:prstGeom prst="rect">
+            <a:avLst/>
+          </a:prstGeom>
+          <a:solidFill>
+            <a:srgbClr val="000000"/>
+          </a:solidFill>
+        </p:spPr>
+        <p:txBody>
+          <a:bodyPr wrap="none" rtlCol="0">
+            <a:spAutoFit/>
+          </a:bodyPr>
+          <a:lstStyle/>
+          <a:p>
+            <a:pPr algn="r">
+              <a:spcAft>
+                <a:spcPts val="600"/>
+              </a:spcAft>
+            </a:pPr>
+            <a:r>
+              <a:rPr lang="es-ES" sz="700">
+                <a:solidFill>
+                  <a:srgbClr val="FFFFFF"/>
+                </a:solidFill>
+                <a:hlinkClick r:id="rId3" tooltip="https://laclasedeele.blogspot.fr/2016/11/el-juego-del-ahorcado-para-la-clase-de.html">
+                  <a:extLst>
+                    <a:ext uri="{A12FA001-AC4F-418D-AE19-62706E023703}">
+                      <ahyp:hlinkClr xmlns:ahyp="http://schemas.microsoft.com/office/drawing/2018/hyperlinkcolor" val="tx"/>
+                    </a:ext>
+                  </a:extLst>
+                </a:hlinkClick>
+              </a:rPr>
+              <a:t>Esta foto</a:t>
+            </a:r>
+            <a:r>
+              <a:rPr lang="es-ES" sz="700">
+                <a:solidFill>
+                  <a:srgbClr val="FFFFFF"/>
+                </a:solidFill>
+              </a:rPr>
+              <a:t> de Autor desconocido está bajo licencia </a:t>
+            </a:r>
+            <a:r>
+              <a:rPr lang="es-ES" sz="700">
+                <a:solidFill>
+                  <a:srgbClr val="FFFFFF"/>
+                </a:solidFill>
+                <a:hlinkClick r:id="rId4" tooltip="https://creativecommons.org/licenses/by-nc-nd/3.0/">
+                  <a:extLst>
+                    <a:ext uri="{A12FA001-AC4F-418D-AE19-62706E023703}">
+                      <ahyp:hlinkClr xmlns:ahyp="http://schemas.microsoft.com/office/drawing/2018/hyperlinkcolor" val="tx"/>
+                    </a:ext>
+                  </a:extLst>
+                </a:hlinkClick>
+              </a:rPr>
+              <a:t>CC BY-NC-ND</a:t>
+            </a:r>
+            <a:endParaRPr lang="es-ES" sz="700">
+              <a:solidFill>
+                <a:srgbClr val="FFFFFF"/>
+              </a:solidFill>
+            </a:endParaRPr>
           </a:p>
         </p:txBody>
       </p:sp>
@@ -4299,8 +5998,100 @@
     </p:extLst>
   </p:cSld>
   <p:clrMapOvr>
-    <a:masterClrMapping/>
+    <a:overrideClrMapping bg1="dk1" tx1="lt1" bg2="dk2" tx2="lt2" accent1="accent1" accent2="accent2" accent3="accent3" accent4="accent4" accent5="accent5" accent6="accent6" hlink="hlink" folHlink="folHlink"/>
   </p:clrMapOvr>
+  <p:timing>
+    <p:tnLst>
+      <p:par>
+        <p:cTn id="1" dur="indefinite" restart="never" nodeType="tmRoot">
+          <p:childTnLst>
+            <p:seq concurrent="1" nextAc="seek">
+              <p:cTn id="2" dur="indefinite" nodeType="mainSeq">
+                <p:childTnLst>
+                  <p:par>
+                    <p:cTn id="3" fill="hold">
+                      <p:stCondLst>
+                        <p:cond delay="indefinite"/>
+                        <p:cond evt="onBegin" delay="0">
+                          <p:tn val="2"/>
+                        </p:cond>
+                      </p:stCondLst>
+                      <p:childTnLst>
+                        <p:par>
+                          <p:cTn id="4" fill="hold">
+                            <p:stCondLst>
+                              <p:cond delay="0"/>
+                            </p:stCondLst>
+                            <p:childTnLst>
+                              <p:par>
+                                <p:cTn id="5" presetID="10" presetClass="entr" presetSubtype="0" fill="hold" grpId="0" nodeType="withEffect">
+                                  <p:stCondLst>
+                                    <p:cond delay="1000"/>
+                                  </p:stCondLst>
+                                  <p:iterate type="lt">
+                                    <p:tmPct val="10000"/>
+                                  </p:iterate>
+                                  <p:childTnLst>
+                                    <p:set>
+                                      <p:cBhvr>
+                                        <p:cTn id="6" dur="1" fill="hold">
+                                          <p:stCondLst>
+                                            <p:cond delay="0"/>
+                                          </p:stCondLst>
+                                        </p:cTn>
+                                        <p:tgtEl>
+                                          <p:spTgt spid="2"/>
+                                        </p:tgtEl>
+                                        <p:attrNameLst>
+                                          <p:attrName>style.visibility</p:attrName>
+                                        </p:attrNameLst>
+                                      </p:cBhvr>
+                                      <p:to>
+                                        <p:strVal val="visible"/>
+                                      </p:to>
+                                    </p:set>
+                                    <p:animEffect transition="in" filter="fade">
+                                      <p:cBhvr>
+                                        <p:cTn id="7" dur="400"/>
+                                        <p:tgtEl>
+                                          <p:spTgt spid="2"/>
+                                        </p:tgtEl>
+                                      </p:cBhvr>
+                                    </p:animEffect>
+                                  </p:childTnLst>
+                                </p:cTn>
+                              </p:par>
+                            </p:childTnLst>
+                          </p:cTn>
+                        </p:par>
+                      </p:childTnLst>
+                    </p:cTn>
+                  </p:par>
+                </p:childTnLst>
+              </p:cTn>
+              <p:prevCondLst>
+                <p:cond evt="onPrev" delay="0">
+                  <p:tgtEl>
+                    <p:sldTgt/>
+                  </p:tgtEl>
+                </p:cond>
+              </p:prevCondLst>
+              <p:nextCondLst>
+                <p:cond evt="onNext" delay="0">
+                  <p:tgtEl>
+                    <p:sldTgt/>
+                  </p:tgtEl>
+                </p:cond>
+              </p:nextCondLst>
+            </p:seq>
+          </p:childTnLst>
+        </p:cTn>
+      </p:par>
+    </p:tnLst>
+    <p:bldLst>
+      <p:bldP spid="2" grpId="0"/>
+    </p:bldLst>
+  </p:timing>
 </p:sld>
 </file>
 
